--- a/documentos/historia dos ruser.pptx
+++ b/documentos/historia dos ruser.pptx
@@ -104,6 +104,11 @@
       </a:defRPr>
     </a:lvl9pPr>
   </p:defaultTextStyle>
+  <p:extLst>
+    <p:ext uri="{EFAFB233-063F-42B5-8137-9DF3F51BA10A}">
+      <p15:sldGuideLst xmlns:p15="http://schemas.microsoft.com/office/powerpoint/2012/main"/>
+    </p:ext>
+  </p:extLst>
 </p:presentation>
 </file>
 
@@ -3398,7 +3403,7 @@
                   </a:outerShdw>
                 </a:effectLst>
               </a:rPr>
-              <a:t>Eu, enquanto cliente, quero monitorar os caixas eletrônicos, para que eu possa ter uma melhor gestão de monitoramento.</a:t>
+              <a:t>Eu, enquanto cliente, quero inspecionar os caixas eletrônicos, para que eu possa ter uma melhor gestão de monitoramento.</a:t>
             </a:r>
           </a:p>
         </p:txBody>

--- a/documentos/historia dos ruser.pptx
+++ b/documentos/historia dos ruser.pptx
@@ -259,7 +259,7 @@
           <a:p>
             <a:fld id="{D93ACE01-AFDD-4EB6-97C9-3A2749F6FB36}" type="datetimeFigureOut">
               <a:rPr lang="pt-BR" smtClean="0"/>
-              <a:t>01/03/2021</a:t>
+              <a:t>03/03/2021</a:t>
             </a:fld>
             <a:endParaRPr lang="pt-BR"/>
           </a:p>
@@ -457,7 +457,7 @@
           <a:p>
             <a:fld id="{D93ACE01-AFDD-4EB6-97C9-3A2749F6FB36}" type="datetimeFigureOut">
               <a:rPr lang="pt-BR" smtClean="0"/>
-              <a:t>01/03/2021</a:t>
+              <a:t>03/03/2021</a:t>
             </a:fld>
             <a:endParaRPr lang="pt-BR"/>
           </a:p>
@@ -665,7 +665,7 @@
           <a:p>
             <a:fld id="{D93ACE01-AFDD-4EB6-97C9-3A2749F6FB36}" type="datetimeFigureOut">
               <a:rPr lang="pt-BR" smtClean="0"/>
-              <a:t>01/03/2021</a:t>
+              <a:t>03/03/2021</a:t>
             </a:fld>
             <a:endParaRPr lang="pt-BR"/>
           </a:p>
@@ -863,7 +863,7 @@
           <a:p>
             <a:fld id="{D93ACE01-AFDD-4EB6-97C9-3A2749F6FB36}" type="datetimeFigureOut">
               <a:rPr lang="pt-BR" smtClean="0"/>
-              <a:t>01/03/2021</a:t>
+              <a:t>03/03/2021</a:t>
             </a:fld>
             <a:endParaRPr lang="pt-BR"/>
           </a:p>
@@ -1138,7 +1138,7 @@
           <a:p>
             <a:fld id="{D93ACE01-AFDD-4EB6-97C9-3A2749F6FB36}" type="datetimeFigureOut">
               <a:rPr lang="pt-BR" smtClean="0"/>
-              <a:t>01/03/2021</a:t>
+              <a:t>03/03/2021</a:t>
             </a:fld>
             <a:endParaRPr lang="pt-BR"/>
           </a:p>
@@ -1403,7 +1403,7 @@
           <a:p>
             <a:fld id="{D93ACE01-AFDD-4EB6-97C9-3A2749F6FB36}" type="datetimeFigureOut">
               <a:rPr lang="pt-BR" smtClean="0"/>
-              <a:t>01/03/2021</a:t>
+              <a:t>03/03/2021</a:t>
             </a:fld>
             <a:endParaRPr lang="pt-BR"/>
           </a:p>
@@ -1815,7 +1815,7 @@
           <a:p>
             <a:fld id="{D93ACE01-AFDD-4EB6-97C9-3A2749F6FB36}" type="datetimeFigureOut">
               <a:rPr lang="pt-BR" smtClean="0"/>
-              <a:t>01/03/2021</a:t>
+              <a:t>03/03/2021</a:t>
             </a:fld>
             <a:endParaRPr lang="pt-BR"/>
           </a:p>
@@ -1956,7 +1956,7 @@
           <a:p>
             <a:fld id="{D93ACE01-AFDD-4EB6-97C9-3A2749F6FB36}" type="datetimeFigureOut">
               <a:rPr lang="pt-BR" smtClean="0"/>
-              <a:t>01/03/2021</a:t>
+              <a:t>03/03/2021</a:t>
             </a:fld>
             <a:endParaRPr lang="pt-BR"/>
           </a:p>
@@ -2069,7 +2069,7 @@
           <a:p>
             <a:fld id="{D93ACE01-AFDD-4EB6-97C9-3A2749F6FB36}" type="datetimeFigureOut">
               <a:rPr lang="pt-BR" smtClean="0"/>
-              <a:t>01/03/2021</a:t>
+              <a:t>03/03/2021</a:t>
             </a:fld>
             <a:endParaRPr lang="pt-BR"/>
           </a:p>
@@ -2380,7 +2380,7 @@
           <a:p>
             <a:fld id="{D93ACE01-AFDD-4EB6-97C9-3A2749F6FB36}" type="datetimeFigureOut">
               <a:rPr lang="pt-BR" smtClean="0"/>
-              <a:t>01/03/2021</a:t>
+              <a:t>03/03/2021</a:t>
             </a:fld>
             <a:endParaRPr lang="pt-BR"/>
           </a:p>
@@ -2668,7 +2668,7 @@
           <a:p>
             <a:fld id="{D93ACE01-AFDD-4EB6-97C9-3A2749F6FB36}" type="datetimeFigureOut">
               <a:rPr lang="pt-BR" smtClean="0"/>
-              <a:t>01/03/2021</a:t>
+              <a:t>03/03/2021</a:t>
             </a:fld>
             <a:endParaRPr lang="pt-BR"/>
           </a:p>
@@ -2909,7 +2909,7 @@
           <a:p>
             <a:fld id="{D93ACE01-AFDD-4EB6-97C9-3A2749F6FB36}" type="datetimeFigureOut">
               <a:rPr lang="pt-BR" smtClean="0"/>
-              <a:t>01/03/2021</a:t>
+              <a:t>03/03/2021</a:t>
             </a:fld>
             <a:endParaRPr lang="pt-BR"/>
           </a:p>
@@ -3402,8 +3402,25 @@
                     </a:srgbClr>
                   </a:outerShdw>
                 </a:effectLst>
+                <a:latin typeface="Exo 2" panose="00000800000000000000" pitchFamily="50" charset="0"/>
               </a:rPr>
               <a:t>Eu, enquanto cliente, quero inspecionar os caixas eletrônicos, para que eu possa ter uma melhor gestão de monitoramento.</a:t>
+            </a:r>
+          </a:p>
+          <a:p>
+            <a:pPr algn="ctr"/>
+            <a:r>
+              <a:rPr lang="pt-BR" sz="1600" b="1" dirty="0">
+                <a:effectLst>
+                  <a:outerShdw blurRad="38100" dist="38100" dir="2700000" algn="tl">
+                    <a:srgbClr val="000000">
+                      <a:alpha val="43137"/>
+                    </a:srgbClr>
+                  </a:outerShdw>
+                </a:effectLst>
+                <a:latin typeface="Exo 2" panose="00000800000000000000" pitchFamily="50" charset="0"/>
+              </a:rPr>
+              <a:t>US#01</a:t>
             </a:r>
           </a:p>
         </p:txBody>
@@ -3466,8 +3483,19 @@
           <a:p>
             <a:pPr algn="ctr"/>
             <a:r>
-              <a:rPr lang="pt-BR" b="1" dirty="0"/>
+              <a:rPr lang="pt-BR" b="1" dirty="0">
+                <a:latin typeface="Exo 2" panose="00000800000000000000" pitchFamily="50" charset="0"/>
+              </a:rPr>
               <a:t>Eu, enquanto cliente, quero auto agendamento da manutenção dos caixas eletrônicos, para maior praticidade.</a:t>
+            </a:r>
+          </a:p>
+          <a:p>
+            <a:pPr algn="ctr"/>
+            <a:r>
+              <a:rPr lang="pt-BR" sz="1600" b="1" dirty="0">
+                <a:latin typeface="Exo 2" panose="00000800000000000000" pitchFamily="50" charset="0"/>
+              </a:rPr>
+              <a:t>US#02</a:t>
             </a:r>
           </a:p>
         </p:txBody>
@@ -3529,8 +3557,19 @@
           <a:p>
             <a:pPr algn="ctr"/>
             <a:r>
-              <a:rPr lang="pt-BR" b="1" dirty="0"/>
+              <a:rPr lang="pt-BR" b="1" dirty="0">
+                <a:latin typeface="Exo 2" panose="00000800000000000000" pitchFamily="50" charset="0"/>
+              </a:rPr>
               <a:t>Eu, enquanto cliente, gostaria de receber alertas de acordo a necessidades de manutenção, para evitar possíveis problemas.</a:t>
+            </a:r>
+          </a:p>
+          <a:p>
+            <a:pPr algn="ctr"/>
+            <a:r>
+              <a:rPr lang="pt-BR" sz="1600" b="1" dirty="0">
+                <a:latin typeface="Exo 2" panose="00000800000000000000" pitchFamily="50" charset="0"/>
+              </a:rPr>
+              <a:t>US#03</a:t>
             </a:r>
           </a:p>
         </p:txBody>
@@ -3549,7 +3588,7 @@
         </p:nvSpPr>
         <p:spPr>
           <a:xfrm>
-            <a:off x="178192" y="3270738"/>
+            <a:off x="178192" y="3298871"/>
             <a:ext cx="3859236" cy="1818249"/>
           </a:xfrm>
           <a:prstGeom prst="roundRect">
@@ -3600,8 +3639,25 @@
                     </a:srgbClr>
                   </a:outerShdw>
                 </a:effectLst>
+                <a:latin typeface="Exo 2" panose="00000800000000000000" pitchFamily="50" charset="0"/>
               </a:rPr>
               <a:t>Eu, enquanto cliente, preciso saber se o caixa está ligado ou não, para que eu possar tomar um devida atitude.</a:t>
+            </a:r>
+          </a:p>
+          <a:p>
+            <a:pPr algn="ctr"/>
+            <a:r>
+              <a:rPr lang="pt-BR" sz="1600" b="1" dirty="0">
+                <a:effectLst>
+                  <a:outerShdw blurRad="38100" dist="38100" dir="2700000" algn="tl">
+                    <a:srgbClr val="000000">
+                      <a:alpha val="43137"/>
+                    </a:srgbClr>
+                  </a:outerShdw>
+                </a:effectLst>
+                <a:latin typeface="Exo 2" panose="00000800000000000000" pitchFamily="50" charset="0"/>
+              </a:rPr>
+              <a:t>US#04</a:t>
             </a:r>
           </a:p>
         </p:txBody>
@@ -3671,8 +3727,25 @@
                     </a:srgbClr>
                   </a:outerShdw>
                 </a:effectLst>
+                <a:latin typeface="Exo 2" panose="00000800000000000000" pitchFamily="50" charset="0"/>
               </a:rPr>
               <a:t>Eu, enquanto cliente,  quero um acesso a um gráfico para monitorar o pico de cada caixa, para que eu possa antever futuros problemas.</a:t>
+            </a:r>
+          </a:p>
+          <a:p>
+            <a:pPr algn="ctr"/>
+            <a:r>
+              <a:rPr lang="pt-BR" sz="1600" b="1" dirty="0">
+                <a:effectLst>
+                  <a:outerShdw blurRad="38100" dist="38100" dir="2700000" algn="tl">
+                    <a:srgbClr val="000000">
+                      <a:alpha val="43137"/>
+                    </a:srgbClr>
+                  </a:outerShdw>
+                </a:effectLst>
+                <a:latin typeface="Exo 2" panose="00000800000000000000" pitchFamily="50" charset="0"/>
+              </a:rPr>
+              <a:t>US#05</a:t>
             </a:r>
           </a:p>
         </p:txBody>
@@ -3742,9 +3815,36 @@
                     </a:srgbClr>
                   </a:outerShdw>
                 </a:effectLst>
+                <a:latin typeface="Exo 2" panose="00000800000000000000" pitchFamily="50" charset="0"/>
               </a:rPr>
               <a:t>Eu, enquanto cliente,  preciso que sejam gerado relatórios de uso de cada caixa eletrônico, para que eu possa analisar um possível problema.</a:t>
             </a:r>
+          </a:p>
+          <a:p>
+            <a:pPr algn="ctr"/>
+            <a:r>
+              <a:rPr lang="pt-BR" sz="1600" b="1" dirty="0">
+                <a:effectLst>
+                  <a:outerShdw blurRad="38100" dist="38100" dir="2700000" algn="tl">
+                    <a:srgbClr val="000000">
+                      <a:alpha val="43137"/>
+                    </a:srgbClr>
+                  </a:outerShdw>
+                </a:effectLst>
+                <a:latin typeface="Exo 2" panose="00000800000000000000" pitchFamily="50" charset="0"/>
+              </a:rPr>
+              <a:t>US#06</a:t>
+            </a:r>
+            <a:endParaRPr lang="pt-BR" b="1" dirty="0">
+              <a:effectLst>
+                <a:outerShdw blurRad="38100" dist="38100" dir="2700000" algn="tl">
+                  <a:srgbClr val="000000">
+                    <a:alpha val="43137"/>
+                  </a:srgbClr>
+                </a:outerShdw>
+              </a:effectLst>
+              <a:latin typeface="Exo 2" panose="00000800000000000000" pitchFamily="50" charset="0"/>
+            </a:endParaRPr>
           </a:p>
         </p:txBody>
       </p:sp>
